--- a/presentation/week 7 Meeting.pptx
+++ b/presentation/week 7 Meeting.pptx
@@ -116,6 +116,30 @@
 
 <file path=ppt/changesInfos/changesInfo1.xml><?xml version="1.0" encoding="utf-8"?>
 <pc:chgInfo xmlns:a="http://schemas.openxmlformats.org/drawingml/2006/main" xmlns:r="http://schemas.openxmlformats.org/officeDocument/2006/relationships" xmlns:ac="http://schemas.microsoft.com/office/drawing/2013/main/command" xmlns:pc="http://schemas.microsoft.com/office/powerpoint/2013/main/command">
+  <pc:docChgLst>
+    <pc:chgData name="toby lee" userId="c2b0b406bfa6151f" providerId="LiveId" clId="{A3D4DA1E-6BD0-4881-8D86-598FF5D8AB2F}"/>
+    <pc:docChg chg="undo custSel modSld">
+      <pc:chgData name="toby lee" userId="c2b0b406bfa6151f" providerId="LiveId" clId="{A3D4DA1E-6BD0-4881-8D86-598FF5D8AB2F}" dt="2021-12-11T21:22:05.602" v="11" actId="20577"/>
+      <pc:docMkLst>
+        <pc:docMk/>
+      </pc:docMkLst>
+      <pc:sldChg chg="modSp mod">
+        <pc:chgData name="toby lee" userId="c2b0b406bfa6151f" providerId="LiveId" clId="{A3D4DA1E-6BD0-4881-8D86-598FF5D8AB2F}" dt="2021-12-11T21:22:05.602" v="11" actId="20577"/>
+        <pc:sldMkLst>
+          <pc:docMk/>
+          <pc:sldMk cId="3956411206" sldId="256"/>
+        </pc:sldMkLst>
+        <pc:spChg chg="mod">
+          <ac:chgData name="toby lee" userId="c2b0b406bfa6151f" providerId="LiveId" clId="{A3D4DA1E-6BD0-4881-8D86-598FF5D8AB2F}" dt="2021-12-11T21:22:05.602" v="11" actId="20577"/>
+          <ac:spMkLst>
+            <pc:docMk/>
+            <pc:sldMk cId="3956411206" sldId="256"/>
+            <ac:spMk id="3" creationId="{29796D7D-3175-4BB8-9B63-55C81B20C750}"/>
+          </ac:spMkLst>
+        </pc:spChg>
+      </pc:sldChg>
+    </pc:docChg>
+  </pc:docChgLst>
   <pc:docChgLst>
     <pc:chgData name="toby lee" userId="c2b0b406bfa6151f" providerId="LiveId" clId="{BA302B9A-5745-46BB-920E-7D8197CBE755}"/>
     <pc:docChg chg="addSld delSld modSld sldOrd">
@@ -476,7 +500,7 @@
           <a:p>
             <a:fld id="{ED291B17-9318-49DB-B28B-6E5994AE9581}" type="datetime1">
               <a:rPr lang="en-US" smtClean="0"/>
-              <a:t>11/15/2021</a:t>
+              <a:t>12/11/2021</a:t>
             </a:fld>
             <a:endParaRPr lang="en-US" dirty="0"/>
           </a:p>
@@ -679,7 +703,7 @@
           <a:p>
             <a:fld id="{2CED4963-E985-44C4-B8C4-FDD613B7C2F8}" type="datetime1">
               <a:rPr lang="en-US" smtClean="0"/>
-              <a:t>11/15/2021</a:t>
+              <a:t>12/11/2021</a:t>
             </a:fld>
             <a:endParaRPr lang="en-US" dirty="0"/>
           </a:p>
@@ -1041,7 +1065,7 @@
           <a:p>
             <a:fld id="{ED291B17-9318-49DB-B28B-6E5994AE9581}" type="datetime1">
               <a:rPr lang="en-US" smtClean="0"/>
-              <a:t>11/15/2021</a:t>
+              <a:t>12/11/2021</a:t>
             </a:fld>
             <a:endParaRPr lang="en-US" dirty="0"/>
           </a:p>
@@ -1239,7 +1263,7 @@
           <a:p>
             <a:fld id="{78DD82B9-B8EE-4375-B6FF-88FA6ABB15D9}" type="datetime1">
               <a:rPr lang="en-US" smtClean="0"/>
-              <a:t>11/15/2021</a:t>
+              <a:t>12/11/2021</a:t>
             </a:fld>
             <a:endParaRPr lang="en-US" dirty="0"/>
           </a:p>
@@ -1551,7 +1575,7 @@
           <a:p>
             <a:fld id="{B2497495-0637-405E-AE64-5CC7506D51F5}" type="datetime1">
               <a:rPr lang="en-US" smtClean="0"/>
-              <a:t>11/15/2021</a:t>
+              <a:t>12/11/2021</a:t>
             </a:fld>
             <a:endParaRPr lang="en-US" dirty="0"/>
           </a:p>
@@ -1804,7 +1828,7 @@
           <a:p>
             <a:fld id="{7BFFD690-9426-415D-8B65-26881E07B2D4}" type="datetime1">
               <a:rPr lang="en-US" smtClean="0"/>
-              <a:t>11/15/2021</a:t>
+              <a:t>12/11/2021</a:t>
             </a:fld>
             <a:endParaRPr lang="en-US" dirty="0"/>
           </a:p>
@@ -2226,7 +2250,7 @@
           <a:p>
             <a:fld id="{04C4989A-474C-40DE-95B9-011C28B71673}" type="datetime1">
               <a:rPr lang="en-US" smtClean="0"/>
-              <a:t>11/15/2021</a:t>
+              <a:t>12/11/2021</a:t>
             </a:fld>
             <a:endParaRPr lang="en-US" dirty="0"/>
           </a:p>
@@ -2349,7 +2373,7 @@
           <a:p>
             <a:fld id="{5DB4ED54-5B5E-4A04-93D3-5772E3CE3818}" type="datetime1">
               <a:rPr lang="en-US" smtClean="0"/>
-              <a:t>11/15/2021</a:t>
+              <a:t>12/11/2021</a:t>
             </a:fld>
             <a:endParaRPr lang="en-US" dirty="0"/>
           </a:p>
@@ -2444,7 +2468,7 @@
           <a:p>
             <a:fld id="{4EDE50D6-574B-40AF-946F-D52A04ADE379}" type="datetime1">
               <a:rPr lang="en-US" smtClean="0"/>
-              <a:t>11/15/2021</a:t>
+              <a:t>12/11/2021</a:t>
             </a:fld>
             <a:endParaRPr lang="en-US" dirty="0"/>
           </a:p>
@@ -2821,7 +2845,7 @@
           <a:p>
             <a:fld id="{D82884F1-FFEA-405F-9602-3DCA865EDA4E}" type="datetime1">
               <a:rPr lang="en-US" smtClean="0"/>
-              <a:t>11/15/2021</a:t>
+              <a:t>12/11/2021</a:t>
             </a:fld>
             <a:endParaRPr lang="en-US" dirty="0"/>
           </a:p>
@@ -3114,7 +3138,7 @@
           <a:p>
             <a:fld id="{7E18DB4A-8810-4A10-AD5C-D5E2C667F5B3}" type="datetime1">
               <a:rPr lang="en-US" smtClean="0"/>
-              <a:t>11/15/2021</a:t>
+              <a:t>12/11/2021</a:t>
             </a:fld>
             <a:endParaRPr lang="en-US" dirty="0"/>
           </a:p>
@@ -3329,7 +3353,7 @@
           <a:p>
             <a:fld id="{ED291B17-9318-49DB-B28B-6E5994AE9581}" type="datetime1">
               <a:rPr lang="en-US" smtClean="0"/>
-              <a:t>11/15/2021</a:t>
+              <a:t>12/11/2021</a:t>
             </a:fld>
             <a:endParaRPr lang="en-US" dirty="0"/>
           </a:p>
@@ -4250,7 +4274,7 @@
           <a:p>
             <a:r>
               <a:rPr lang="en-GB" dirty="0"/>
-              <a:t>Week 6 Meeting, 12/11/2021</a:t>
+              <a:t>Week 7 Meeting, 12/11/2021</a:t>
             </a:r>
             <a:endParaRPr lang="en-US" dirty="0"/>
           </a:p>
